--- a/documentation/wiki/figures/wiki_figures.pptx
+++ b/documentation/wiki/figures/wiki_figures.pptx
@@ -7,6 +7,8 @@
   <p:sldIdLst>
     <p:sldId id="256" r:id="rId2"/>
     <p:sldId id="257" r:id="rId3"/>
+    <p:sldId id="258" r:id="rId4"/>
+    <p:sldId id="259" r:id="rId5"/>
   </p:sldIdLst>
   <p:sldSz cx="12192000" cy="6858000"/>
   <p:notesSz cx="6858000" cy="9144000"/>
@@ -105,6 +107,11 @@
       </a:defRPr>
     </a:lvl9pPr>
   </p:defaultTextStyle>
+  <p:extLst>
+    <p:ext uri="{EFAFB233-063F-42B5-8137-9DF3F51BA10A}">
+      <p15:sldGuideLst xmlns:p15="http://schemas.microsoft.com/office/powerpoint/2012/main"/>
+    </p:ext>
+  </p:extLst>
 </p:presentation>
 </file>
 
@@ -3238,6 +3245,355 @@
 </p:sld>
 </file>
 
+<file path=ppt/slides/slide3.xml><?xml version="1.0" encoding="utf-8"?>
+<p:sld xmlns:a="http://schemas.openxmlformats.org/drawingml/2006/main" xmlns:r="http://schemas.openxmlformats.org/officeDocument/2006/relationships" xmlns:p="http://schemas.openxmlformats.org/presentationml/2006/main">
+  <p:cSld>
+    <p:spTree>
+      <p:nvGrpSpPr>
+        <p:cNvPr id="1" name=""/>
+        <p:cNvGrpSpPr/>
+        <p:nvPr/>
+      </p:nvGrpSpPr>
+      <p:grpSpPr>
+        <a:xfrm>
+          <a:off x="0" y="0"/>
+          <a:ext cx="0" cy="0"/>
+          <a:chOff x="0" y="0"/>
+          <a:chExt cx="0" cy="0"/>
+        </a:xfrm>
+      </p:grpSpPr>
+      <p:pic>
+        <p:nvPicPr>
+          <p:cNvPr id="4" name="Picture 3"/>
+          <p:cNvPicPr>
+            <a:picLocks noChangeAspect="1"/>
+          </p:cNvPicPr>
+          <p:nvPr/>
+        </p:nvPicPr>
+        <p:blipFill rotWithShape="1">
+          <a:blip r:embed="rId2"/>
+          <a:srcRect t="404"/>
+          <a:stretch/>
+        </p:blipFill>
+        <p:spPr>
+          <a:xfrm>
+            <a:off x="3038475" y="1388224"/>
+            <a:ext cx="5390630" cy="3612685"/>
+          </a:xfrm>
+          <a:prstGeom prst="rect">
+            <a:avLst/>
+          </a:prstGeom>
+        </p:spPr>
+      </p:pic>
+      <p:sp>
+        <p:nvSpPr>
+          <p:cNvPr id="5" name="Rounded Rectangle 4"/>
+          <p:cNvSpPr/>
+          <p:nvPr/>
+        </p:nvSpPr>
+        <p:spPr>
+          <a:xfrm>
+            <a:off x="5405437" y="2319249"/>
+            <a:ext cx="2782599" cy="781397"/>
+          </a:xfrm>
+          <a:prstGeom prst="roundRect">
+            <a:avLst>
+              <a:gd name="adj" fmla="val 2837"/>
+            </a:avLst>
+          </a:prstGeom>
+          <a:noFill/>
+          <a:ln w="28575">
+            <a:solidFill>
+              <a:srgbClr val="C00000"/>
+            </a:solidFill>
+          </a:ln>
+        </p:spPr>
+        <p:style>
+          <a:lnRef idx="2">
+            <a:schemeClr val="accent1">
+              <a:shade val="50000"/>
+            </a:schemeClr>
+          </a:lnRef>
+          <a:fillRef idx="1">
+            <a:schemeClr val="accent1"/>
+          </a:fillRef>
+          <a:effectRef idx="0">
+            <a:schemeClr val="accent1"/>
+          </a:effectRef>
+          <a:fontRef idx="minor">
+            <a:schemeClr val="lt1"/>
+          </a:fontRef>
+        </p:style>
+        <p:txBody>
+          <a:bodyPr rtlCol="0" anchor="ctr"/>
+          <a:lstStyle/>
+          <a:p>
+            <a:pPr algn="ctr"/>
+            <a:endParaRPr lang="en-US"/>
+          </a:p>
+        </p:txBody>
+      </p:sp>
+      <p:sp>
+        <p:nvSpPr>
+          <p:cNvPr id="7" name="Rounded Rectangle 6"/>
+          <p:cNvSpPr/>
+          <p:nvPr/>
+        </p:nvSpPr>
+        <p:spPr>
+          <a:xfrm>
+            <a:off x="5430374" y="3136375"/>
+            <a:ext cx="837423" cy="221965"/>
+          </a:xfrm>
+          <a:prstGeom prst="roundRect">
+            <a:avLst>
+              <a:gd name="adj" fmla="val 2837"/>
+            </a:avLst>
+          </a:prstGeom>
+          <a:noFill/>
+          <a:ln w="28575">
+            <a:solidFill>
+              <a:srgbClr val="C00000"/>
+            </a:solidFill>
+          </a:ln>
+        </p:spPr>
+        <p:style>
+          <a:lnRef idx="2">
+            <a:schemeClr val="accent1">
+              <a:shade val="50000"/>
+            </a:schemeClr>
+          </a:lnRef>
+          <a:fillRef idx="1">
+            <a:schemeClr val="accent1"/>
+          </a:fillRef>
+          <a:effectRef idx="0">
+            <a:schemeClr val="accent1"/>
+          </a:effectRef>
+          <a:fontRef idx="minor">
+            <a:schemeClr val="lt1"/>
+          </a:fontRef>
+        </p:style>
+        <p:txBody>
+          <a:bodyPr rtlCol="0" anchor="ctr"/>
+          <a:lstStyle/>
+          <a:p>
+            <a:pPr algn="ctr"/>
+            <a:endParaRPr lang="en-US"/>
+          </a:p>
+        </p:txBody>
+      </p:sp>
+      <p:sp>
+        <p:nvSpPr>
+          <p:cNvPr id="8" name="TextBox 7"/>
+          <p:cNvSpPr txBox="1"/>
+          <p:nvPr/>
+        </p:nvSpPr>
+        <p:spPr>
+          <a:xfrm>
+            <a:off x="8263357" y="2525281"/>
+            <a:ext cx="772071" cy="369332"/>
+          </a:xfrm>
+          <a:prstGeom prst="rect">
+            <a:avLst/>
+          </a:prstGeom>
+          <a:solidFill>
+            <a:schemeClr val="bg1"/>
+          </a:solidFill>
+          <a:ln>
+            <a:solidFill>
+              <a:srgbClr val="C00000"/>
+            </a:solidFill>
+          </a:ln>
+        </p:spPr>
+        <p:txBody>
+          <a:bodyPr wrap="none" rtlCol="0">
+            <a:spAutoFit/>
+          </a:bodyPr>
+          <a:lstStyle/>
+          <a:p>
+            <a:r>
+              <a:rPr lang="en-US" dirty="0" smtClean="0">
+                <a:solidFill>
+                  <a:srgbClr val="C00000"/>
+                </a:solidFill>
+              </a:rPr>
+              <a:t>Step </a:t>
+            </a:r>
+            <a:r>
+              <a:rPr lang="en-US" dirty="0" smtClean="0">
+                <a:solidFill>
+                  <a:srgbClr val="C00000"/>
+                </a:solidFill>
+              </a:rPr>
+              <a:t>2</a:t>
+            </a:r>
+            <a:endParaRPr lang="en-US" dirty="0">
+              <a:solidFill>
+                <a:srgbClr val="C00000"/>
+              </a:solidFill>
+            </a:endParaRPr>
+          </a:p>
+        </p:txBody>
+      </p:sp>
+      <p:sp>
+        <p:nvSpPr>
+          <p:cNvPr id="9" name="Rounded Rectangle 8"/>
+          <p:cNvSpPr/>
+          <p:nvPr/>
+        </p:nvSpPr>
+        <p:spPr>
+          <a:xfrm>
+            <a:off x="5941357" y="4652063"/>
+            <a:ext cx="841828" cy="235821"/>
+          </a:xfrm>
+          <a:prstGeom prst="roundRect">
+            <a:avLst>
+              <a:gd name="adj" fmla="val 2837"/>
+            </a:avLst>
+          </a:prstGeom>
+          <a:noFill/>
+          <a:ln w="28575">
+            <a:solidFill>
+              <a:srgbClr val="0070C0"/>
+            </a:solidFill>
+          </a:ln>
+        </p:spPr>
+        <p:style>
+          <a:lnRef idx="2">
+            <a:schemeClr val="accent1">
+              <a:shade val="50000"/>
+            </a:schemeClr>
+          </a:lnRef>
+          <a:fillRef idx="1">
+            <a:schemeClr val="accent1"/>
+          </a:fillRef>
+          <a:effectRef idx="0">
+            <a:schemeClr val="accent1"/>
+          </a:effectRef>
+          <a:fontRef idx="minor">
+            <a:schemeClr val="lt1"/>
+          </a:fontRef>
+        </p:style>
+        <p:txBody>
+          <a:bodyPr rtlCol="0" anchor="ctr"/>
+          <a:lstStyle/>
+          <a:p>
+            <a:pPr algn="ctr"/>
+            <a:endParaRPr lang="en-US"/>
+          </a:p>
+        </p:txBody>
+      </p:sp>
+      <p:sp>
+        <p:nvSpPr>
+          <p:cNvPr id="10" name="TextBox 9"/>
+          <p:cNvSpPr txBox="1"/>
+          <p:nvPr/>
+        </p:nvSpPr>
+        <p:spPr>
+          <a:xfrm>
+            <a:off x="5974101" y="4209703"/>
+            <a:ext cx="772071" cy="369332"/>
+          </a:xfrm>
+          <a:prstGeom prst="rect">
+            <a:avLst/>
+          </a:prstGeom>
+          <a:solidFill>
+            <a:schemeClr val="bg1"/>
+          </a:solidFill>
+          <a:ln>
+            <a:solidFill>
+              <a:srgbClr val="0070C0"/>
+            </a:solidFill>
+          </a:ln>
+        </p:spPr>
+        <p:txBody>
+          <a:bodyPr wrap="none" rtlCol="0">
+            <a:spAutoFit/>
+          </a:bodyPr>
+          <a:lstStyle/>
+          <a:p>
+            <a:r>
+              <a:rPr lang="en-US" dirty="0" smtClean="0">
+                <a:solidFill>
+                  <a:srgbClr val="0070C0"/>
+                </a:solidFill>
+              </a:rPr>
+              <a:t>Step 3</a:t>
+            </a:r>
+            <a:endParaRPr lang="en-US" dirty="0">
+              <a:solidFill>
+                <a:srgbClr val="0070C0"/>
+              </a:solidFill>
+            </a:endParaRPr>
+          </a:p>
+        </p:txBody>
+      </p:sp>
+    </p:spTree>
+    <p:extLst>
+      <p:ext uri="{BB962C8B-B14F-4D97-AF65-F5344CB8AC3E}">
+        <p14:creationId xmlns:p14="http://schemas.microsoft.com/office/powerpoint/2010/main" val="1020290856"/>
+      </p:ext>
+    </p:extLst>
+  </p:cSld>
+  <p:clrMapOvr>
+    <a:masterClrMapping/>
+  </p:clrMapOvr>
+</p:sld>
+</file>
+
+<file path=ppt/slides/slide4.xml><?xml version="1.0" encoding="utf-8"?>
+<p:sld xmlns:a="http://schemas.openxmlformats.org/drawingml/2006/main" xmlns:r="http://schemas.openxmlformats.org/officeDocument/2006/relationships" xmlns:p="http://schemas.openxmlformats.org/presentationml/2006/main">
+  <p:cSld>
+    <p:spTree>
+      <p:nvGrpSpPr>
+        <p:cNvPr id="1" name=""/>
+        <p:cNvGrpSpPr/>
+        <p:nvPr/>
+      </p:nvGrpSpPr>
+      <p:grpSpPr>
+        <a:xfrm>
+          <a:off x="0" y="0"/>
+          <a:ext cx="0" cy="0"/>
+          <a:chOff x="0" y="0"/>
+          <a:chExt cx="0" cy="0"/>
+        </a:xfrm>
+      </p:grpSpPr>
+      <p:pic>
+        <p:nvPicPr>
+          <p:cNvPr id="10" name="Picture 9"/>
+          <p:cNvPicPr>
+            <a:picLocks noChangeAspect="1"/>
+          </p:cNvPicPr>
+          <p:nvPr/>
+        </p:nvPicPr>
+        <p:blipFill>
+          <a:blip r:embed="rId2"/>
+          <a:stretch>
+            <a:fillRect/>
+          </a:stretch>
+        </p:blipFill>
+        <p:spPr>
+          <a:xfrm>
+            <a:off x="3075170" y="1624427"/>
+            <a:ext cx="6041660" cy="3609145"/>
+          </a:xfrm>
+          <a:prstGeom prst="rect">
+            <a:avLst/>
+          </a:prstGeom>
+        </p:spPr>
+      </p:pic>
+    </p:spTree>
+    <p:extLst>
+      <p:ext uri="{BB962C8B-B14F-4D97-AF65-F5344CB8AC3E}">
+        <p14:creationId xmlns:p14="http://schemas.microsoft.com/office/powerpoint/2010/main" val="2234448796"/>
+      </p:ext>
+    </p:extLst>
+  </p:cSld>
+  <p:clrMapOvr>
+    <a:masterClrMapping/>
+  </p:clrMapOvr>
+</p:sld>
+</file>
+
 <file path=ppt/theme/theme1.xml><?xml version="1.0" encoding="utf-8"?>
 <a:theme xmlns:a="http://schemas.openxmlformats.org/drawingml/2006/main" name="Office Theme">
   <a:themeElements>

--- a/documentation/wiki/figures/wiki_figures.pptx
+++ b/documentation/wiki/figures/wiki_figures.pptx
@@ -9,6 +9,9 @@
     <p:sldId id="257" r:id="rId3"/>
     <p:sldId id="258" r:id="rId4"/>
     <p:sldId id="259" r:id="rId5"/>
+    <p:sldId id="260" r:id="rId6"/>
+    <p:sldId id="261" r:id="rId7"/>
+    <p:sldId id="262" r:id="rId8"/>
   </p:sldIdLst>
   <p:sldSz cx="12192000" cy="6858000"/>
   <p:notesSz cx="6858000" cy="9144000"/>
@@ -3594,6 +3597,369 @@
 </p:sld>
 </file>
 
+<file path=ppt/slides/slide5.xml><?xml version="1.0" encoding="utf-8"?>
+<p:sld xmlns:a="http://schemas.openxmlformats.org/drawingml/2006/main" xmlns:r="http://schemas.openxmlformats.org/officeDocument/2006/relationships" xmlns:p="http://schemas.openxmlformats.org/presentationml/2006/main">
+  <p:cSld>
+    <p:spTree>
+      <p:nvGrpSpPr>
+        <p:cNvPr id="1" name=""/>
+        <p:cNvGrpSpPr/>
+        <p:nvPr/>
+      </p:nvGrpSpPr>
+      <p:grpSpPr>
+        <a:xfrm>
+          <a:off x="0" y="0"/>
+          <a:ext cx="0" cy="0"/>
+          <a:chOff x="0" y="0"/>
+          <a:chExt cx="0" cy="0"/>
+        </a:xfrm>
+      </p:grpSpPr>
+      <p:pic>
+        <p:nvPicPr>
+          <p:cNvPr id="9" name="Picture 8"/>
+          <p:cNvPicPr>
+            <a:picLocks noChangeAspect="1"/>
+          </p:cNvPicPr>
+          <p:nvPr/>
+        </p:nvPicPr>
+        <p:blipFill rotWithShape="1">
+          <a:blip r:embed="rId2"/>
+          <a:srcRect l="788" t="28946" r="62636" b="19418"/>
+          <a:stretch/>
+        </p:blipFill>
+        <p:spPr>
+          <a:xfrm>
+            <a:off x="473826" y="99754"/>
+            <a:ext cx="11148446" cy="5902036"/>
+          </a:xfrm>
+          <a:prstGeom prst="rect">
+            <a:avLst/>
+          </a:prstGeom>
+        </p:spPr>
+      </p:pic>
+      <p:sp>
+        <p:nvSpPr>
+          <p:cNvPr id="5" name="Rounded Rectangle 4"/>
+          <p:cNvSpPr/>
+          <p:nvPr/>
+        </p:nvSpPr>
+        <p:spPr>
+          <a:xfrm>
+            <a:off x="2047094" y="1116382"/>
+            <a:ext cx="230593" cy="221967"/>
+          </a:xfrm>
+          <a:prstGeom prst="roundRect">
+            <a:avLst>
+              <a:gd name="adj" fmla="val 2837"/>
+            </a:avLst>
+          </a:prstGeom>
+          <a:noFill/>
+          <a:ln w="38100">
+            <a:solidFill>
+              <a:srgbClr val="C00000"/>
+            </a:solidFill>
+          </a:ln>
+        </p:spPr>
+        <p:style>
+          <a:lnRef idx="2">
+            <a:schemeClr val="accent1">
+              <a:shade val="50000"/>
+            </a:schemeClr>
+          </a:lnRef>
+          <a:fillRef idx="1">
+            <a:schemeClr val="accent1"/>
+          </a:fillRef>
+          <a:effectRef idx="0">
+            <a:schemeClr val="accent1"/>
+          </a:effectRef>
+          <a:fontRef idx="minor">
+            <a:schemeClr val="lt1"/>
+          </a:fontRef>
+        </p:style>
+        <p:txBody>
+          <a:bodyPr rtlCol="0" anchor="ctr"/>
+          <a:lstStyle/>
+          <a:p>
+            <a:pPr algn="ctr"/>
+            <a:endParaRPr lang="en-US"/>
+          </a:p>
+        </p:txBody>
+      </p:sp>
+      <p:sp>
+        <p:nvSpPr>
+          <p:cNvPr id="6" name="TextBox 5"/>
+          <p:cNvSpPr txBox="1"/>
+          <p:nvPr/>
+        </p:nvSpPr>
+        <p:spPr>
+          <a:xfrm>
+            <a:off x="1776354" y="1365071"/>
+            <a:ext cx="772071" cy="369332"/>
+          </a:xfrm>
+          <a:prstGeom prst="rect">
+            <a:avLst/>
+          </a:prstGeom>
+          <a:solidFill>
+            <a:schemeClr val="bg1"/>
+          </a:solidFill>
+          <a:ln>
+            <a:solidFill>
+              <a:srgbClr val="C00000"/>
+            </a:solidFill>
+          </a:ln>
+        </p:spPr>
+        <p:txBody>
+          <a:bodyPr wrap="none" rtlCol="0">
+            <a:spAutoFit/>
+          </a:bodyPr>
+          <a:lstStyle/>
+          <a:p>
+            <a:r>
+              <a:rPr lang="en-US" dirty="0" smtClean="0">
+                <a:solidFill>
+                  <a:srgbClr val="C00000"/>
+                </a:solidFill>
+              </a:rPr>
+              <a:t>Step </a:t>
+            </a:r>
+            <a:r>
+              <a:rPr lang="en-US" dirty="0">
+                <a:solidFill>
+                  <a:srgbClr val="C00000"/>
+                </a:solidFill>
+              </a:rPr>
+              <a:t>4</a:t>
+            </a:r>
+            <a:endParaRPr lang="en-US" dirty="0">
+              <a:solidFill>
+                <a:srgbClr val="C00000"/>
+              </a:solidFill>
+            </a:endParaRPr>
+          </a:p>
+        </p:txBody>
+      </p:sp>
+      <p:sp>
+        <p:nvSpPr>
+          <p:cNvPr id="7" name="Rounded Rectangle 6"/>
+          <p:cNvSpPr/>
+          <p:nvPr/>
+        </p:nvSpPr>
+        <p:spPr>
+          <a:xfrm>
+            <a:off x="570199" y="2582193"/>
+            <a:ext cx="4999327" cy="2081247"/>
+          </a:xfrm>
+          <a:prstGeom prst="roundRect">
+            <a:avLst>
+              <a:gd name="adj" fmla="val 2837"/>
+            </a:avLst>
+          </a:prstGeom>
+          <a:noFill/>
+          <a:ln w="38100">
+            <a:solidFill>
+              <a:srgbClr val="0070C0"/>
+            </a:solidFill>
+          </a:ln>
+        </p:spPr>
+        <p:style>
+          <a:lnRef idx="2">
+            <a:schemeClr val="accent1">
+              <a:shade val="50000"/>
+            </a:schemeClr>
+          </a:lnRef>
+          <a:fillRef idx="1">
+            <a:schemeClr val="accent1"/>
+          </a:fillRef>
+          <a:effectRef idx="0">
+            <a:schemeClr val="accent1"/>
+          </a:effectRef>
+          <a:fontRef idx="minor">
+            <a:schemeClr val="lt1"/>
+          </a:fontRef>
+        </p:style>
+        <p:txBody>
+          <a:bodyPr rtlCol="0" anchor="ctr"/>
+          <a:lstStyle/>
+          <a:p>
+            <a:pPr algn="ctr"/>
+            <a:endParaRPr lang="en-US"/>
+          </a:p>
+        </p:txBody>
+      </p:sp>
+      <p:sp>
+        <p:nvSpPr>
+          <p:cNvPr id="10" name="TextBox 9"/>
+          <p:cNvSpPr txBox="1"/>
+          <p:nvPr/>
+        </p:nvSpPr>
+        <p:spPr>
+          <a:xfrm>
+            <a:off x="4015248" y="4227420"/>
+            <a:ext cx="772071" cy="369332"/>
+          </a:xfrm>
+          <a:prstGeom prst="rect">
+            <a:avLst/>
+          </a:prstGeom>
+          <a:solidFill>
+            <a:schemeClr val="bg1"/>
+          </a:solidFill>
+          <a:ln>
+            <a:solidFill>
+              <a:srgbClr val="C00000"/>
+            </a:solidFill>
+          </a:ln>
+        </p:spPr>
+        <p:txBody>
+          <a:bodyPr wrap="none" rtlCol="0">
+            <a:spAutoFit/>
+          </a:bodyPr>
+          <a:lstStyle/>
+          <a:p>
+            <a:r>
+              <a:rPr lang="en-US" dirty="0" smtClean="0">
+                <a:solidFill>
+                  <a:srgbClr val="0070C0"/>
+                </a:solidFill>
+              </a:rPr>
+              <a:t>Step </a:t>
+            </a:r>
+            <a:r>
+              <a:rPr lang="en-US" dirty="0">
+                <a:solidFill>
+                  <a:srgbClr val="0070C0"/>
+                </a:solidFill>
+              </a:rPr>
+              <a:t>5</a:t>
+            </a:r>
+            <a:endParaRPr lang="en-US" dirty="0">
+              <a:solidFill>
+                <a:srgbClr val="0070C0"/>
+              </a:solidFill>
+            </a:endParaRPr>
+          </a:p>
+        </p:txBody>
+      </p:sp>
+    </p:spTree>
+    <p:extLst>
+      <p:ext uri="{BB962C8B-B14F-4D97-AF65-F5344CB8AC3E}">
+        <p14:creationId xmlns:p14="http://schemas.microsoft.com/office/powerpoint/2010/main" val="3083336036"/>
+      </p:ext>
+    </p:extLst>
+  </p:cSld>
+  <p:clrMapOvr>
+    <a:masterClrMapping/>
+  </p:clrMapOvr>
+</p:sld>
+</file>
+
+<file path=ppt/slides/slide6.xml><?xml version="1.0" encoding="utf-8"?>
+<p:sld xmlns:a="http://schemas.openxmlformats.org/drawingml/2006/main" xmlns:r="http://schemas.openxmlformats.org/officeDocument/2006/relationships" xmlns:p="http://schemas.openxmlformats.org/presentationml/2006/main">
+  <p:cSld>
+    <p:spTree>
+      <p:nvGrpSpPr>
+        <p:cNvPr id="1" name=""/>
+        <p:cNvGrpSpPr/>
+        <p:nvPr/>
+      </p:nvGrpSpPr>
+      <p:grpSpPr>
+        <a:xfrm>
+          <a:off x="0" y="0"/>
+          <a:ext cx="0" cy="0"/>
+          <a:chOff x="0" y="0"/>
+          <a:chExt cx="0" cy="0"/>
+        </a:xfrm>
+      </p:grpSpPr>
+      <p:pic>
+        <p:nvPicPr>
+          <p:cNvPr id="4" name="Picture 3"/>
+          <p:cNvPicPr>
+            <a:picLocks noChangeAspect="1"/>
+          </p:cNvPicPr>
+          <p:nvPr/>
+        </p:nvPicPr>
+        <p:blipFill>
+          <a:blip r:embed="rId2"/>
+          <a:stretch>
+            <a:fillRect/>
+          </a:stretch>
+        </p:blipFill>
+        <p:spPr>
+          <a:xfrm>
+            <a:off x="520725" y="475232"/>
+            <a:ext cx="11150550" cy="5907536"/>
+          </a:xfrm>
+          <a:prstGeom prst="rect">
+            <a:avLst/>
+          </a:prstGeom>
+        </p:spPr>
+      </p:pic>
+    </p:spTree>
+    <p:extLst>
+      <p:ext uri="{BB962C8B-B14F-4D97-AF65-F5344CB8AC3E}">
+        <p14:creationId xmlns:p14="http://schemas.microsoft.com/office/powerpoint/2010/main" val="2307270462"/>
+      </p:ext>
+    </p:extLst>
+  </p:cSld>
+  <p:clrMapOvr>
+    <a:masterClrMapping/>
+  </p:clrMapOvr>
+</p:sld>
+</file>
+
+<file path=ppt/slides/slide7.xml><?xml version="1.0" encoding="utf-8"?>
+<p:sld xmlns:a="http://schemas.openxmlformats.org/drawingml/2006/main" xmlns:r="http://schemas.openxmlformats.org/officeDocument/2006/relationships" xmlns:p="http://schemas.openxmlformats.org/presentationml/2006/main">
+  <p:cSld>
+    <p:spTree>
+      <p:nvGrpSpPr>
+        <p:cNvPr id="1" name=""/>
+        <p:cNvGrpSpPr/>
+        <p:nvPr/>
+      </p:nvGrpSpPr>
+      <p:grpSpPr>
+        <a:xfrm>
+          <a:off x="0" y="0"/>
+          <a:ext cx="0" cy="0"/>
+          <a:chOff x="0" y="0"/>
+          <a:chExt cx="0" cy="0"/>
+        </a:xfrm>
+      </p:grpSpPr>
+      <p:pic>
+        <p:nvPicPr>
+          <p:cNvPr id="4" name="Picture 3"/>
+          <p:cNvPicPr>
+            <a:picLocks noChangeAspect="1"/>
+          </p:cNvPicPr>
+          <p:nvPr/>
+        </p:nvPicPr>
+        <p:blipFill>
+          <a:blip r:embed="rId2"/>
+          <a:stretch>
+            <a:fillRect/>
+          </a:stretch>
+        </p:blipFill>
+        <p:spPr>
+          <a:xfrm>
+            <a:off x="3624262" y="2786062"/>
+            <a:ext cx="4943475" cy="1285875"/>
+          </a:xfrm>
+          <a:prstGeom prst="rect">
+            <a:avLst/>
+          </a:prstGeom>
+        </p:spPr>
+      </p:pic>
+    </p:spTree>
+    <p:extLst>
+      <p:ext uri="{BB962C8B-B14F-4D97-AF65-F5344CB8AC3E}">
+        <p14:creationId xmlns:p14="http://schemas.microsoft.com/office/powerpoint/2010/main" val="2896288542"/>
+      </p:ext>
+    </p:extLst>
+  </p:cSld>
+  <p:clrMapOvr>
+    <a:masterClrMapping/>
+  </p:clrMapOvr>
+</p:sld>
+</file>
+
 <file path=ppt/theme/theme1.xml><?xml version="1.0" encoding="utf-8"?>
 <a:theme xmlns:a="http://schemas.openxmlformats.org/drawingml/2006/main" name="Office Theme">
   <a:themeElements>
